--- a/project-documentation/poster_leonimran.pptx
+++ b/project-documentation/poster_leonimran.pptx
@@ -2381,7 +2381,15 @@
             </a:r>
             <a:r>
               <a:rPr lang="fi-FI" dirty="0"/>
-              <a:t> was used to enable communication between the Raspberry Pi and a remote Ubuntu server. This allowed the transfer of data from the Raspberry Pi to the remote server, where it was stored. The data was then fetched from a local computer using Python scripts and inserted into a local MySQL-database. Express.js framework</a:t>
+              <a:t> was used to enable communication between the Raspberry Pi and a remote Ubuntu server. This allowed the transfer of data from the Raspberry Pi to the remote server, where it was stored. The data was then </a:t>
+            </a:r>
+            <a:r>
+              <a:rPr lang="fi-FI"/>
+              <a:t>fetched to </a:t>
+            </a:r>
+            <a:r>
+              <a:rPr lang="fi-FI" dirty="0"/>
+              <a:t>a local computer using Python scripts and inserted into a local MySQL-database. Express.js framework</a:t>
             </a:r>
             <a:r>
               <a:rPr lang="fi-FI" sz="1000" dirty="0"/>
@@ -3689,12 +3697,9 @@
 </file>
 
 <file path=customXml/item1.xml><?xml version="1.0" encoding="utf-8"?>
-<?mso-contentType ?>
-<FormTemplates xmlns="http://schemas.microsoft.com/sharepoint/v3/contenttype/forms">
-  <Display>DocumentLibraryForm</Display>
-  <Edit>DocumentLibraryForm</Edit>
-  <New>DocumentLibraryForm</New>
-</FormTemplates>
+<p:properties xmlns:p="http://schemas.microsoft.com/office/2006/metadata/properties" xmlns:xsi="http://www.w3.org/2001/XMLSchema-instance" xmlns:pc="http://schemas.microsoft.com/office/infopath/2007/PartnerControls">
+  <documentManagement/>
+</p:properties>
 </file>
 
 <file path=customXml/item2.xml><?xml version="1.0" encoding="utf-8"?>
@@ -3812,15 +3817,19 @@
 </file>
 
 <file path=customXml/item3.xml><?xml version="1.0" encoding="utf-8"?>
-<p:properties xmlns:p="http://schemas.microsoft.com/office/2006/metadata/properties" xmlns:xsi="http://www.w3.org/2001/XMLSchema-instance" xmlns:pc="http://schemas.microsoft.com/office/infopath/2007/PartnerControls">
-  <documentManagement/>
-</p:properties>
+<?mso-contentType ?>
+<FormTemplates xmlns="http://schemas.microsoft.com/sharepoint/v3/contenttype/forms">
+  <Display>DocumentLibraryForm</Display>
+  <Edit>DocumentLibraryForm</Edit>
+  <New>DocumentLibraryForm</New>
+</FormTemplates>
 </file>
 
 <file path=customXml/itemProps1.xml><?xml version="1.0" encoding="utf-8"?>
-<ds:datastoreItem xmlns:ds="http://schemas.openxmlformats.org/officeDocument/2006/customXml" ds:itemID="{2F1200AE-5223-4F23-8C9E-5F0813187A0A}">
+<ds:datastoreItem xmlns:ds="http://schemas.openxmlformats.org/officeDocument/2006/customXml" ds:itemID="{29747424-F8E8-4F6B-AAFE-09648E93192C}">
   <ds:schemaRefs>
-    <ds:schemaRef ds:uri="http://schemas.microsoft.com/sharepoint/v3/contenttype/forms"/>
+    <ds:schemaRef ds:uri="http://schemas.microsoft.com/office/2006/metadata/properties"/>
+    <ds:schemaRef ds:uri="http://schemas.microsoft.com/office/infopath/2007/PartnerControls"/>
   </ds:schemaRefs>
 </ds:datastoreItem>
 </file>
@@ -3842,10 +3851,9 @@
 </file>
 
 <file path=customXml/itemProps3.xml><?xml version="1.0" encoding="utf-8"?>
-<ds:datastoreItem xmlns:ds="http://schemas.openxmlformats.org/officeDocument/2006/customXml" ds:itemID="{29747424-F8E8-4F6B-AAFE-09648E93192C}">
+<ds:datastoreItem xmlns:ds="http://schemas.openxmlformats.org/officeDocument/2006/customXml" ds:itemID="{2F1200AE-5223-4F23-8C9E-5F0813187A0A}">
   <ds:schemaRefs>
-    <ds:schemaRef ds:uri="http://schemas.microsoft.com/office/2006/metadata/properties"/>
-    <ds:schemaRef ds:uri="http://schemas.microsoft.com/office/infopath/2007/PartnerControls"/>
+    <ds:schemaRef ds:uri="http://schemas.microsoft.com/sharepoint/v3/contenttype/forms"/>
   </ds:schemaRefs>
 </ds:datastoreItem>
 </file>
--- a/project-documentation/poster_leonimran.pptx
+++ b/project-documentation/poster_leonimran.pptx
@@ -212,7 +212,7 @@
             <a:fld id="{19EC9BF0-2C59-2C46-BBD9-7948B59DC01B}" type="datetime1">
               <a:rPr lang="fi-FI" smtClean="0"/>
               <a:pPr/>
-              <a:t>16.10.2019</a:t>
+              <a:t>17.10.2019</a:t>
             </a:fld>
             <a:endParaRPr lang="fi-FI"/>
           </a:p>
@@ -380,7 +380,7 @@
             <a:fld id="{0E4AA8A8-4D46-BD40-89BF-70B4CBE4D6DF}" type="datetime1">
               <a:rPr lang="fi-FI" smtClean="0"/>
               <a:pPr/>
-              <a:t>16.10.2019</a:t>
+              <a:t>17.10.2019</a:t>
             </a:fld>
             <a:endParaRPr lang="fi-FI"/>
           </a:p>
@@ -2513,15 +2513,15 @@
           <a:p>
             <a:r>
               <a:rPr lang="fi-FI" dirty="0"/>
-              <a:t>While there have been difficulties during the project weeks, we feel like we have learned a lot of things about many different aspects of Internet of </a:t>
+              <a:t>While there have been difficulties during the project weeks, we feel like we have learned a lot of things about many different aspects of Internet of Things. There is definitely room for improvement </a:t>
             </a:r>
             <a:r>
               <a:rPr lang="fi-FI"/>
-              <a:t>Things. There </a:t>
+              <a:t>and the process could have been more efficient, but overall </a:t>
             </a:r>
             <a:r>
               <a:rPr lang="fi-FI" dirty="0"/>
-              <a:t>is definitely room for improvement and things could have been done in a more efficient matter, but the knowledge gained from this project will help make future projects smoother.</a:t>
+              <a:t>the knowledge gained from this project will help make future projects smoother.</a:t>
             </a:r>
           </a:p>
           <a:p>
@@ -3697,9 +3697,12 @@
 </file>
 
 <file path=customXml/item1.xml><?xml version="1.0" encoding="utf-8"?>
-<p:properties xmlns:p="http://schemas.microsoft.com/office/2006/metadata/properties" xmlns:xsi="http://www.w3.org/2001/XMLSchema-instance" xmlns:pc="http://schemas.microsoft.com/office/infopath/2007/PartnerControls">
-  <documentManagement/>
-</p:properties>
+<?mso-contentType ?>
+<FormTemplates xmlns="http://schemas.microsoft.com/sharepoint/v3/contenttype/forms">
+  <Display>DocumentLibraryForm</Display>
+  <Edit>DocumentLibraryForm</Edit>
+  <New>DocumentLibraryForm</New>
+</FormTemplates>
 </file>
 
 <file path=customXml/item2.xml><?xml version="1.0" encoding="utf-8"?>
@@ -3817,19 +3820,15 @@
 </file>
 
 <file path=customXml/item3.xml><?xml version="1.0" encoding="utf-8"?>
-<?mso-contentType ?>
-<FormTemplates xmlns="http://schemas.microsoft.com/sharepoint/v3/contenttype/forms">
-  <Display>DocumentLibraryForm</Display>
-  <Edit>DocumentLibraryForm</Edit>
-  <New>DocumentLibraryForm</New>
-</FormTemplates>
+<p:properties xmlns:p="http://schemas.microsoft.com/office/2006/metadata/properties" xmlns:xsi="http://www.w3.org/2001/XMLSchema-instance" xmlns:pc="http://schemas.microsoft.com/office/infopath/2007/PartnerControls">
+  <documentManagement/>
+</p:properties>
 </file>
 
 <file path=customXml/itemProps1.xml><?xml version="1.0" encoding="utf-8"?>
-<ds:datastoreItem xmlns:ds="http://schemas.openxmlformats.org/officeDocument/2006/customXml" ds:itemID="{29747424-F8E8-4F6B-AAFE-09648E93192C}">
+<ds:datastoreItem xmlns:ds="http://schemas.openxmlformats.org/officeDocument/2006/customXml" ds:itemID="{2F1200AE-5223-4F23-8C9E-5F0813187A0A}">
   <ds:schemaRefs>
-    <ds:schemaRef ds:uri="http://schemas.microsoft.com/office/2006/metadata/properties"/>
-    <ds:schemaRef ds:uri="http://schemas.microsoft.com/office/infopath/2007/PartnerControls"/>
+    <ds:schemaRef ds:uri="http://schemas.microsoft.com/sharepoint/v3/contenttype/forms"/>
   </ds:schemaRefs>
 </ds:datastoreItem>
 </file>
@@ -3851,9 +3850,10 @@
 </file>
 
 <file path=customXml/itemProps3.xml><?xml version="1.0" encoding="utf-8"?>
-<ds:datastoreItem xmlns:ds="http://schemas.openxmlformats.org/officeDocument/2006/customXml" ds:itemID="{2F1200AE-5223-4F23-8C9E-5F0813187A0A}">
+<ds:datastoreItem xmlns:ds="http://schemas.openxmlformats.org/officeDocument/2006/customXml" ds:itemID="{29747424-F8E8-4F6B-AAFE-09648E93192C}">
   <ds:schemaRefs>
-    <ds:schemaRef ds:uri="http://schemas.microsoft.com/sharepoint/v3/contenttype/forms"/>
+    <ds:schemaRef ds:uri="http://schemas.microsoft.com/office/2006/metadata/properties"/>
+    <ds:schemaRef ds:uri="http://schemas.microsoft.com/office/infopath/2007/PartnerControls"/>
   </ds:schemaRefs>
 </ds:datastoreItem>
 </file>